--- a/docs/Database/tables&forms.pptx
+++ b/docs/Database/tables&forms.pptx
@@ -6,8 +6,9 @@
   </p:sldMasterIdLst>
   <p:sldIdLst>
     <p:sldId id="259" r:id="rId2"/>
-    <p:sldId id="260" r:id="rId3"/>
-    <p:sldId id="261" r:id="rId4"/>
+    <p:sldId id="262" r:id="rId3"/>
+    <p:sldId id="260" r:id="rId4"/>
+    <p:sldId id="261" r:id="rId5"/>
   </p:sldIdLst>
   <p:sldSz cx="12192000" cy="6858000"/>
   <p:notesSz cx="6858000" cy="9144000"/>
@@ -261,7 +262,7 @@
           <a:p>
             <a:fld id="{01B4D459-FF4E-41B5-A9D8-F037FDF5DCAA}" type="datetimeFigureOut">
               <a:rPr lang="en-US" smtClean="0"/>
-              <a:t>10/1/2021</a:t>
+              <a:t>11/3/2021</a:t>
             </a:fld>
             <a:endParaRPr lang="en-US"/>
           </a:p>
@@ -459,7 +460,7 @@
           <a:p>
             <a:fld id="{01B4D459-FF4E-41B5-A9D8-F037FDF5DCAA}" type="datetimeFigureOut">
               <a:rPr lang="en-US" smtClean="0"/>
-              <a:t>10/1/2021</a:t>
+              <a:t>11/3/2021</a:t>
             </a:fld>
             <a:endParaRPr lang="en-US"/>
           </a:p>
@@ -667,7 +668,7 @@
           <a:p>
             <a:fld id="{01B4D459-FF4E-41B5-A9D8-F037FDF5DCAA}" type="datetimeFigureOut">
               <a:rPr lang="en-US" smtClean="0"/>
-              <a:t>10/1/2021</a:t>
+              <a:t>11/3/2021</a:t>
             </a:fld>
             <a:endParaRPr lang="en-US"/>
           </a:p>
@@ -865,7 +866,7 @@
           <a:p>
             <a:fld id="{01B4D459-FF4E-41B5-A9D8-F037FDF5DCAA}" type="datetimeFigureOut">
               <a:rPr lang="en-US" smtClean="0"/>
-              <a:t>10/1/2021</a:t>
+              <a:t>11/3/2021</a:t>
             </a:fld>
             <a:endParaRPr lang="en-US"/>
           </a:p>
@@ -1140,7 +1141,7 @@
           <a:p>
             <a:fld id="{01B4D459-FF4E-41B5-A9D8-F037FDF5DCAA}" type="datetimeFigureOut">
               <a:rPr lang="en-US" smtClean="0"/>
-              <a:t>10/1/2021</a:t>
+              <a:t>11/3/2021</a:t>
             </a:fld>
             <a:endParaRPr lang="en-US"/>
           </a:p>
@@ -1405,7 +1406,7 @@
           <a:p>
             <a:fld id="{01B4D459-FF4E-41B5-A9D8-F037FDF5DCAA}" type="datetimeFigureOut">
               <a:rPr lang="en-US" smtClean="0"/>
-              <a:t>10/1/2021</a:t>
+              <a:t>11/3/2021</a:t>
             </a:fld>
             <a:endParaRPr lang="en-US"/>
           </a:p>
@@ -1817,7 +1818,7 @@
           <a:p>
             <a:fld id="{01B4D459-FF4E-41B5-A9D8-F037FDF5DCAA}" type="datetimeFigureOut">
               <a:rPr lang="en-US" smtClean="0"/>
-              <a:t>10/1/2021</a:t>
+              <a:t>11/3/2021</a:t>
             </a:fld>
             <a:endParaRPr lang="en-US"/>
           </a:p>
@@ -1958,7 +1959,7 @@
           <a:p>
             <a:fld id="{01B4D459-FF4E-41B5-A9D8-F037FDF5DCAA}" type="datetimeFigureOut">
               <a:rPr lang="en-US" smtClean="0"/>
-              <a:t>10/1/2021</a:t>
+              <a:t>11/3/2021</a:t>
             </a:fld>
             <a:endParaRPr lang="en-US"/>
           </a:p>
@@ -2071,7 +2072,7 @@
           <a:p>
             <a:fld id="{01B4D459-FF4E-41B5-A9D8-F037FDF5DCAA}" type="datetimeFigureOut">
               <a:rPr lang="en-US" smtClean="0"/>
-              <a:t>10/1/2021</a:t>
+              <a:t>11/3/2021</a:t>
             </a:fld>
             <a:endParaRPr lang="en-US"/>
           </a:p>
@@ -2382,7 +2383,7 @@
           <a:p>
             <a:fld id="{01B4D459-FF4E-41B5-A9D8-F037FDF5DCAA}" type="datetimeFigureOut">
               <a:rPr lang="en-US" smtClean="0"/>
-              <a:t>10/1/2021</a:t>
+              <a:t>11/3/2021</a:t>
             </a:fld>
             <a:endParaRPr lang="en-US"/>
           </a:p>
@@ -2670,7 +2671,7 @@
           <a:p>
             <a:fld id="{01B4D459-FF4E-41B5-A9D8-F037FDF5DCAA}" type="datetimeFigureOut">
               <a:rPr lang="en-US" smtClean="0"/>
-              <a:t>10/1/2021</a:t>
+              <a:t>11/3/2021</a:t>
             </a:fld>
             <a:endParaRPr lang="en-US"/>
           </a:p>
@@ -2911,7 +2912,7 @@
           <a:p>
             <a:fld id="{01B4D459-FF4E-41B5-A9D8-F037FDF5DCAA}" type="datetimeFigureOut">
               <a:rPr lang="en-US" smtClean="0"/>
-              <a:t>10/1/2021</a:t>
+              <a:t>11/3/2021</a:t>
             </a:fld>
             <a:endParaRPr lang="en-US"/>
           </a:p>
@@ -3775,14 +3776,14 @@
           <p:nvPr>
             <p:extLst>
               <p:ext uri="{D42A27DB-BD31-4B8C-83A1-F6EECF244321}">
-                <p14:modId xmlns:p14="http://schemas.microsoft.com/office/powerpoint/2010/main" val="1335167634"/>
+                <p14:modId xmlns:p14="http://schemas.microsoft.com/office/powerpoint/2010/main" val="3822583537"/>
               </p:ext>
             </p:extLst>
           </p:nvPr>
         </p:nvGraphicFramePr>
         <p:xfrm>
           <a:off x="6323106" y="4108658"/>
-          <a:ext cx="3303792" cy="2440392"/>
+          <a:ext cx="3303792" cy="2033660"/>
         </p:xfrm>
         <a:graphic>
           <a:graphicData uri="http://schemas.openxmlformats.org/drawingml/2006/table">
@@ -3971,40 +3972,6 @@
                 <a:extLst>
                   <a:ext uri="{0D108BD9-81ED-4DB2-BD59-A6C34878D82A}">
                     <a16:rowId xmlns:a16="http://schemas.microsoft.com/office/drawing/2014/main" val="3329095989"/>
-                  </a:ext>
-                </a:extLst>
-              </a:tr>
-              <a:tr h="406732">
-                <a:tc>
-                  <a:txBody>
-                    <a:bodyPr/>
-                    <a:lstStyle/>
-                    <a:p>
-                      <a:r>
-                        <a:rPr lang="en-US" dirty="0" err="1"/>
-                        <a:t>error_message</a:t>
-                      </a:r>
-                      <a:endParaRPr lang="en-US" dirty="0"/>
-                    </a:p>
-                  </a:txBody>
-                  <a:tcPr/>
-                </a:tc>
-                <a:tc>
-                  <a:txBody>
-                    <a:bodyPr/>
-                    <a:lstStyle/>
-                    <a:p>
-                      <a:r>
-                        <a:rPr lang="en-US" dirty="0"/>
-                        <a:t>text</a:t>
-                      </a:r>
-                    </a:p>
-                  </a:txBody>
-                  <a:tcPr/>
-                </a:tc>
-                <a:extLst>
-                  <a:ext uri="{0D108BD9-81ED-4DB2-BD59-A6C34878D82A}">
-                    <a16:rowId xmlns:a16="http://schemas.microsoft.com/office/drawing/2014/main" val="1559601133"/>
                   </a:ext>
                 </a:extLst>
               </a:tr>
@@ -4401,7 +4368,7 @@
           <p:cNvPr id="4" name="TextBox 3">
             <a:extLst>
               <a:ext uri="{FF2B5EF4-FFF2-40B4-BE49-F238E27FC236}">
-                <a16:creationId xmlns:a16="http://schemas.microsoft.com/office/drawing/2014/main" id="{75D9B210-5839-405B-B5A2-0E35D45E389D}"/>
+                <a16:creationId xmlns:a16="http://schemas.microsoft.com/office/drawing/2014/main" id="{09EC1106-1011-4367-A5F2-1A6D05362AF3}"/>
               </a:ext>
             </a:extLst>
           </p:cNvPr>
@@ -4426,7 +4393,7 @@
           <a:p>
             <a:r>
               <a:rPr lang="en-US" b="1" u="sng" dirty="0"/>
-              <a:t>Form1: EVAN</a:t>
+              <a:t>Form1: EVAN &amp; THATCHER</a:t>
             </a:r>
           </a:p>
           <a:p>
@@ -4436,17 +4403,17 @@
             </a:r>
             <a:r>
               <a:rPr lang="en-US" dirty="0"/>
-              <a:t>Employee</a:t>
+              <a:t>Anyone</a:t>
             </a:r>
           </a:p>
           <a:p>
             <a:r>
               <a:rPr lang="en-US" b="1" u="sng" dirty="0"/>
-              <a:t>Use case: </a:t>
+              <a:t>Use case:</a:t>
             </a:r>
             <a:r>
               <a:rPr lang="en-US" dirty="0"/>
-              <a:t>Employee enters a new user_profile</a:t>
+              <a:t> User logs into system</a:t>
             </a:r>
           </a:p>
           <a:p>
@@ -4455,389 +4422,27 @@
               <a:t>Database Table(s) Required: </a:t>
             </a:r>
             <a:r>
+              <a:rPr lang="en-US" dirty="0" err="1"/>
+              <a:t>user_profile</a:t>
+            </a:r>
+            <a:r>
               <a:rPr lang="en-US" dirty="0"/>
-              <a:t>user_profile</a:t>
-            </a:r>
-          </a:p>
-        </p:txBody>
-      </p:sp>
-      <p:sp>
-        <p:nvSpPr>
-          <p:cNvPr id="5" name="TextBox 4">
-            <a:extLst>
-              <a:ext uri="{FF2B5EF4-FFF2-40B4-BE49-F238E27FC236}">
-                <a16:creationId xmlns:a16="http://schemas.microsoft.com/office/drawing/2014/main" id="{C66D1848-E877-4620-9AA8-795017F6EB98}"/>
-              </a:ext>
-            </a:extLst>
-          </p:cNvPr>
-          <p:cNvSpPr txBox="1"/>
-          <p:nvPr/>
-        </p:nvSpPr>
-        <p:spPr>
-          <a:xfrm>
-            <a:off x="711199" y="1896533"/>
-            <a:ext cx="1862667" cy="4524315"/>
-          </a:xfrm>
-          <a:prstGeom prst="rect">
-            <a:avLst/>
-          </a:prstGeom>
-          <a:noFill/>
-        </p:spPr>
-        <p:txBody>
-          <a:bodyPr wrap="square" rtlCol="0">
-            <a:spAutoFit/>
-          </a:bodyPr>
-          <a:lstStyle/>
-          <a:p>
+              <a:t>, </a:t>
+            </a:r>
             <a:r>
               <a:rPr lang="en-US" dirty="0" err="1"/>
-              <a:t>fname</a:t>
-            </a:r>
-            <a:r>
-              <a:rPr lang="en-US" dirty="0"/>
-              <a:t>: </a:t>
-            </a:r>
-          </a:p>
-          <a:p>
+              <a:t>login_log</a:t>
+            </a:r>
             <a:endParaRPr lang="en-US" dirty="0"/>
-          </a:p>
-          <a:p>
-            <a:endParaRPr lang="en-US" dirty="0"/>
-          </a:p>
-          <a:p>
-            <a:r>
-              <a:rPr lang="en-US" dirty="0" err="1"/>
-              <a:t>lname</a:t>
-            </a:r>
-            <a:r>
-              <a:rPr lang="en-US" dirty="0"/>
-              <a:t>: </a:t>
-            </a:r>
-          </a:p>
-          <a:p>
-            <a:endParaRPr lang="en-US" dirty="0"/>
-          </a:p>
-          <a:p>
-            <a:endParaRPr lang="en-US" dirty="0"/>
-          </a:p>
-          <a:p>
-            <a:r>
-              <a:rPr lang="en-US" dirty="0"/>
-              <a:t>dob:</a:t>
-            </a:r>
-          </a:p>
-          <a:p>
-            <a:endParaRPr lang="en-US" dirty="0"/>
-          </a:p>
-          <a:p>
-            <a:endParaRPr lang="en-US" dirty="0"/>
-          </a:p>
-          <a:p>
-            <a:r>
-              <a:rPr lang="en-US" dirty="0" err="1"/>
-              <a:t>ssn</a:t>
-            </a:r>
-            <a:r>
-              <a:rPr lang="en-US" dirty="0"/>
-              <a:t>:</a:t>
-            </a:r>
-          </a:p>
-          <a:p>
-            <a:endParaRPr lang="en-US" dirty="0"/>
-          </a:p>
-          <a:p>
-            <a:endParaRPr lang="en-US" dirty="0"/>
-          </a:p>
-          <a:p>
-            <a:r>
-              <a:rPr lang="en-US" dirty="0"/>
-              <a:t>username:</a:t>
-            </a:r>
-          </a:p>
-          <a:p>
-            <a:endParaRPr lang="en-US" dirty="0"/>
-          </a:p>
-          <a:p>
-            <a:endParaRPr lang="en-US" dirty="0"/>
-          </a:p>
-          <a:p>
-            <a:r>
-              <a:rPr lang="en-US" dirty="0"/>
-              <a:t>password: </a:t>
-            </a:r>
-          </a:p>
-        </p:txBody>
-      </p:sp>
-      <p:sp>
-        <p:nvSpPr>
-          <p:cNvPr id="8" name="Rectangle 7">
-            <a:extLst>
-              <a:ext uri="{FF2B5EF4-FFF2-40B4-BE49-F238E27FC236}">
-                <a16:creationId xmlns:a16="http://schemas.microsoft.com/office/drawing/2014/main" id="{B8C22BDE-9181-4FE7-AEA9-F4E2881E16AA}"/>
-              </a:ext>
-            </a:extLst>
-          </p:cNvPr>
-          <p:cNvSpPr/>
-          <p:nvPr/>
-        </p:nvSpPr>
-        <p:spPr>
-          <a:xfrm>
-            <a:off x="1992484" y="1814808"/>
-            <a:ext cx="1862667" cy="508000"/>
-          </a:xfrm>
-          <a:prstGeom prst="rect">
-            <a:avLst/>
-          </a:prstGeom>
-        </p:spPr>
-        <p:style>
-          <a:lnRef idx="2">
-            <a:schemeClr val="accent6"/>
-          </a:lnRef>
-          <a:fillRef idx="1">
-            <a:schemeClr val="lt1"/>
-          </a:fillRef>
-          <a:effectRef idx="0">
-            <a:schemeClr val="accent6"/>
-          </a:effectRef>
-          <a:fontRef idx="minor">
-            <a:schemeClr val="dk1"/>
-          </a:fontRef>
-        </p:style>
-        <p:txBody>
-          <a:bodyPr rtlCol="0" anchor="ctr"/>
-          <a:lstStyle/>
-          <a:p>
-            <a:pPr algn="ctr"/>
-            <a:endParaRPr lang="en-US"/>
-          </a:p>
-        </p:txBody>
-      </p:sp>
-      <p:sp>
-        <p:nvSpPr>
-          <p:cNvPr id="11" name="Rectangle 10">
-            <a:extLst>
-              <a:ext uri="{FF2B5EF4-FFF2-40B4-BE49-F238E27FC236}">
-                <a16:creationId xmlns:a16="http://schemas.microsoft.com/office/drawing/2014/main" id="{D8AD0408-21BD-4985-8441-49FE2BF9B317}"/>
-              </a:ext>
-            </a:extLst>
-          </p:cNvPr>
-          <p:cNvSpPr/>
-          <p:nvPr/>
-        </p:nvSpPr>
-        <p:spPr>
-          <a:xfrm>
-            <a:off x="1992485" y="2633252"/>
-            <a:ext cx="1862667" cy="508000"/>
-          </a:xfrm>
-          <a:prstGeom prst="rect">
-            <a:avLst/>
-          </a:prstGeom>
-        </p:spPr>
-        <p:style>
-          <a:lnRef idx="2">
-            <a:schemeClr val="accent6"/>
-          </a:lnRef>
-          <a:fillRef idx="1">
-            <a:schemeClr val="lt1"/>
-          </a:fillRef>
-          <a:effectRef idx="0">
-            <a:schemeClr val="accent6"/>
-          </a:effectRef>
-          <a:fontRef idx="minor">
-            <a:schemeClr val="dk1"/>
-          </a:fontRef>
-        </p:style>
-        <p:txBody>
-          <a:bodyPr rtlCol="0" anchor="ctr"/>
-          <a:lstStyle/>
-          <a:p>
-            <a:pPr algn="ctr"/>
-            <a:endParaRPr lang="en-US"/>
-          </a:p>
-        </p:txBody>
-      </p:sp>
-      <p:sp>
-        <p:nvSpPr>
-          <p:cNvPr id="12" name="Rectangle 11">
-            <a:extLst>
-              <a:ext uri="{FF2B5EF4-FFF2-40B4-BE49-F238E27FC236}">
-                <a16:creationId xmlns:a16="http://schemas.microsoft.com/office/drawing/2014/main" id="{13319D93-9DEA-4233-8911-52861BC10872}"/>
-              </a:ext>
-            </a:extLst>
-          </p:cNvPr>
-          <p:cNvSpPr/>
-          <p:nvPr/>
-        </p:nvSpPr>
-        <p:spPr>
-          <a:xfrm>
-            <a:off x="1992486" y="3544829"/>
-            <a:ext cx="1862667" cy="508000"/>
-          </a:xfrm>
-          <a:prstGeom prst="rect">
-            <a:avLst/>
-          </a:prstGeom>
-        </p:spPr>
-        <p:style>
-          <a:lnRef idx="2">
-            <a:schemeClr val="accent6"/>
-          </a:lnRef>
-          <a:fillRef idx="1">
-            <a:schemeClr val="lt1"/>
-          </a:fillRef>
-          <a:effectRef idx="0">
-            <a:schemeClr val="accent6"/>
-          </a:effectRef>
-          <a:fontRef idx="minor">
-            <a:schemeClr val="dk1"/>
-          </a:fontRef>
-        </p:style>
-        <p:txBody>
-          <a:bodyPr rtlCol="0" anchor="ctr"/>
-          <a:lstStyle/>
-          <a:p>
-            <a:pPr algn="ctr"/>
-            <a:endParaRPr lang="en-US"/>
-          </a:p>
-        </p:txBody>
-      </p:sp>
-      <p:sp>
-        <p:nvSpPr>
-          <p:cNvPr id="13" name="Rectangle 12">
-            <a:extLst>
-              <a:ext uri="{FF2B5EF4-FFF2-40B4-BE49-F238E27FC236}">
-                <a16:creationId xmlns:a16="http://schemas.microsoft.com/office/drawing/2014/main" id="{303CDBC5-DEF7-423D-8089-D7E8FC7FDCEE}"/>
-              </a:ext>
-            </a:extLst>
-          </p:cNvPr>
-          <p:cNvSpPr/>
-          <p:nvPr/>
-        </p:nvSpPr>
-        <p:spPr>
-          <a:xfrm>
-            <a:off x="1992487" y="4351984"/>
-            <a:ext cx="1862667" cy="508000"/>
-          </a:xfrm>
-          <a:prstGeom prst="rect">
-            <a:avLst/>
-          </a:prstGeom>
-        </p:spPr>
-        <p:style>
-          <a:lnRef idx="2">
-            <a:schemeClr val="accent6"/>
-          </a:lnRef>
-          <a:fillRef idx="1">
-            <a:schemeClr val="lt1"/>
-          </a:fillRef>
-          <a:effectRef idx="0">
-            <a:schemeClr val="accent6"/>
-          </a:effectRef>
-          <a:fontRef idx="minor">
-            <a:schemeClr val="dk1"/>
-          </a:fontRef>
-        </p:style>
-        <p:txBody>
-          <a:bodyPr rtlCol="0" anchor="ctr"/>
-          <a:lstStyle/>
-          <a:p>
-            <a:pPr algn="ctr"/>
-            <a:endParaRPr lang="en-US"/>
-          </a:p>
-        </p:txBody>
-      </p:sp>
-      <p:sp>
-        <p:nvSpPr>
-          <p:cNvPr id="14" name="Rectangle 13">
-            <a:extLst>
-              <a:ext uri="{FF2B5EF4-FFF2-40B4-BE49-F238E27FC236}">
-                <a16:creationId xmlns:a16="http://schemas.microsoft.com/office/drawing/2014/main" id="{AB121D37-662B-4EBC-9FEF-BF37D152878F}"/>
-              </a:ext>
-            </a:extLst>
-          </p:cNvPr>
-          <p:cNvSpPr/>
-          <p:nvPr/>
-        </p:nvSpPr>
-        <p:spPr>
-          <a:xfrm>
-            <a:off x="1992488" y="5191367"/>
-            <a:ext cx="1862667" cy="508000"/>
-          </a:xfrm>
-          <a:prstGeom prst="rect">
-            <a:avLst/>
-          </a:prstGeom>
-        </p:spPr>
-        <p:style>
-          <a:lnRef idx="2">
-            <a:schemeClr val="accent6"/>
-          </a:lnRef>
-          <a:fillRef idx="1">
-            <a:schemeClr val="lt1"/>
-          </a:fillRef>
-          <a:effectRef idx="0">
-            <a:schemeClr val="accent6"/>
-          </a:effectRef>
-          <a:fontRef idx="minor">
-            <a:schemeClr val="dk1"/>
-          </a:fontRef>
-        </p:style>
-        <p:txBody>
-          <a:bodyPr rtlCol="0" anchor="ctr"/>
-          <a:lstStyle/>
-          <a:p>
-            <a:pPr algn="ctr"/>
-            <a:endParaRPr lang="en-US"/>
-          </a:p>
-        </p:txBody>
-      </p:sp>
-      <p:sp>
-        <p:nvSpPr>
-          <p:cNvPr id="15" name="Rectangle 14">
-            <a:extLst>
-              <a:ext uri="{FF2B5EF4-FFF2-40B4-BE49-F238E27FC236}">
-                <a16:creationId xmlns:a16="http://schemas.microsoft.com/office/drawing/2014/main" id="{55B2FCB5-36CA-4DC2-9A6C-7C95D15C666C}"/>
-              </a:ext>
-            </a:extLst>
-          </p:cNvPr>
-          <p:cNvSpPr/>
-          <p:nvPr/>
-        </p:nvSpPr>
-        <p:spPr>
-          <a:xfrm>
-            <a:off x="1992488" y="5898943"/>
-            <a:ext cx="1862667" cy="508000"/>
-          </a:xfrm>
-          <a:prstGeom prst="rect">
-            <a:avLst/>
-          </a:prstGeom>
-        </p:spPr>
-        <p:style>
-          <a:lnRef idx="2">
-            <a:schemeClr val="accent6"/>
-          </a:lnRef>
-          <a:fillRef idx="1">
-            <a:schemeClr val="lt1"/>
-          </a:fillRef>
-          <a:effectRef idx="0">
-            <a:schemeClr val="accent6"/>
-          </a:effectRef>
-          <a:fontRef idx="minor">
-            <a:schemeClr val="dk1"/>
-          </a:fontRef>
-        </p:style>
-        <p:txBody>
-          <a:bodyPr rtlCol="0" anchor="ctr"/>
-          <a:lstStyle/>
-          <a:p>
-            <a:pPr algn="ctr"/>
-            <a:endParaRPr lang="en-US"/>
           </a:p>
         </p:txBody>
       </p:sp>
       <p:graphicFrame>
         <p:nvGraphicFramePr>
-          <p:cNvPr id="16" name="Table 7">
-            <a:extLst>
-              <a:ext uri="{FF2B5EF4-FFF2-40B4-BE49-F238E27FC236}">
-                <a16:creationId xmlns:a16="http://schemas.microsoft.com/office/drawing/2014/main" id="{CB49DD34-CF60-402B-96CC-0BF7A864B595}"/>
+          <p:cNvPr id="5" name="Table 7">
+            <a:extLst>
+              <a:ext uri="{FF2B5EF4-FFF2-40B4-BE49-F238E27FC236}">
+                <a16:creationId xmlns:a16="http://schemas.microsoft.com/office/drawing/2014/main" id="{326E389A-5B52-4412-8ED5-22C4654E1611}"/>
               </a:ext>
             </a:extLst>
           </p:cNvPr>
@@ -4847,14 +4452,14 @@
           <p:nvPr>
             <p:extLst>
               <p:ext uri="{D42A27DB-BD31-4B8C-83A1-F6EECF244321}">
-                <p14:modId xmlns:p14="http://schemas.microsoft.com/office/powerpoint/2010/main" val="1951470023"/>
+                <p14:modId xmlns:p14="http://schemas.microsoft.com/office/powerpoint/2010/main" val="667986445"/>
               </p:ext>
             </p:extLst>
           </p:nvPr>
         </p:nvGraphicFramePr>
         <p:xfrm>
-          <a:off x="5465557" y="395229"/>
-          <a:ext cx="4420686" cy="3657600"/>
+          <a:off x="6278357" y="191911"/>
+          <a:ext cx="4420686" cy="3291840"/>
         </p:xfrm>
         <a:graphic>
           <a:graphicData uri="http://schemas.openxmlformats.org/drawingml/2006/table">
@@ -5179,12 +4784,66 @@
                   </a:ext>
                 </a:extLst>
               </a:tr>
-              <a:tr h="327760">
-                <a:tc>
-                  <a:txBody>
-                    <a:bodyPr/>
-                    <a:lstStyle/>
-                    <a:p>
+            </a:tbl>
+          </a:graphicData>
+        </a:graphic>
+      </p:graphicFrame>
+      <p:graphicFrame>
+        <p:nvGraphicFramePr>
+          <p:cNvPr id="6" name="Table 5">
+            <a:extLst>
+              <a:ext uri="{FF2B5EF4-FFF2-40B4-BE49-F238E27FC236}">
+                <a16:creationId xmlns:a16="http://schemas.microsoft.com/office/drawing/2014/main" id="{051AF01A-C778-4E43-89DA-44A29DFE73A7}"/>
+              </a:ext>
+            </a:extLst>
+          </p:cNvPr>
+          <p:cNvGraphicFramePr>
+            <a:graphicFrameLocks noGrp="1"/>
+          </p:cNvGraphicFramePr>
+          <p:nvPr>
+            <p:extLst>
+              <p:ext uri="{D42A27DB-BD31-4B8C-83A1-F6EECF244321}">
+                <p14:modId xmlns:p14="http://schemas.microsoft.com/office/powerpoint/2010/main" val="4277725375"/>
+              </p:ext>
+            </p:extLst>
+          </p:nvPr>
+        </p:nvGraphicFramePr>
+        <p:xfrm>
+          <a:off x="6943995" y="4007058"/>
+          <a:ext cx="3303792" cy="2033660"/>
+        </p:xfrm>
+        <a:graphic>
+          <a:graphicData uri="http://schemas.openxmlformats.org/drawingml/2006/table">
+            <a:tbl>
+              <a:tblPr firstRow="1" bandRow="1">
+                <a:tableStyleId>{5C22544A-7EE6-4342-B048-85BDC9FD1C3A}</a:tableStyleId>
+              </a:tblPr>
+              <a:tblGrid>
+                <a:gridCol w="1651896">
+                  <a:extLst>
+                    <a:ext uri="{9D8B030D-6E8A-4147-A177-3AD203B41FA5}">
+                      <a16:colId xmlns:a16="http://schemas.microsoft.com/office/drawing/2014/main" val="2313618436"/>
+                    </a:ext>
+                  </a:extLst>
+                </a:gridCol>
+                <a:gridCol w="1651896">
+                  <a:extLst>
+                    <a:ext uri="{9D8B030D-6E8A-4147-A177-3AD203B41FA5}">
+                      <a16:colId xmlns:a16="http://schemas.microsoft.com/office/drawing/2014/main" val="2360323683"/>
+                    </a:ext>
+                  </a:extLst>
+                </a:gridCol>
+              </a:tblGrid>
+              <a:tr h="406732">
+                <a:tc>
+                  <a:txBody>
+                    <a:bodyPr/>
+                    <a:lstStyle/>
+                    <a:p>
+                      <a:r>
+                        <a:rPr lang="en-US" dirty="0" err="1"/>
+                        <a:t>login_logs</a:t>
+                      </a:r>
                       <a:endParaRPr lang="en-US" dirty="0"/>
                     </a:p>
                   </a:txBody>
@@ -5195,14 +4854,151 @@
                     <a:bodyPr/>
                     <a:lstStyle/>
                     <a:p>
-                      <a:endParaRPr lang="en-US" dirty="0"/>
+                      <a:r>
+                        <a:rPr lang="en-US" dirty="0"/>
+                        <a:t>Datatype</a:t>
+                      </a:r>
                     </a:p>
                   </a:txBody>
                   <a:tcPr/>
                 </a:tc>
                 <a:extLst>
                   <a:ext uri="{0D108BD9-81ED-4DB2-BD59-A6C34878D82A}">
-                    <a16:rowId xmlns:a16="http://schemas.microsoft.com/office/drawing/2014/main" val="3836201825"/>
+                    <a16:rowId xmlns:a16="http://schemas.microsoft.com/office/drawing/2014/main" val="764721702"/>
+                  </a:ext>
+                </a:extLst>
+              </a:tr>
+              <a:tr h="406732">
+                <a:tc>
+                  <a:txBody>
+                    <a:bodyPr/>
+                    <a:lstStyle/>
+                    <a:p>
+                      <a:r>
+                        <a:rPr lang="en-US" dirty="0"/>
+                        <a:t>LLID</a:t>
+                      </a:r>
+                    </a:p>
+                  </a:txBody>
+                  <a:tcPr/>
+                </a:tc>
+                <a:tc>
+                  <a:txBody>
+                    <a:bodyPr/>
+                    <a:lstStyle/>
+                    <a:p>
+                      <a:r>
+                        <a:rPr lang="en-US" dirty="0"/>
+                        <a:t>int(Primary)</a:t>
+                      </a:r>
+                    </a:p>
+                  </a:txBody>
+                  <a:tcPr/>
+                </a:tc>
+                <a:extLst>
+                  <a:ext uri="{0D108BD9-81ED-4DB2-BD59-A6C34878D82A}">
+                    <a16:rowId xmlns:a16="http://schemas.microsoft.com/office/drawing/2014/main" val="1497060352"/>
+                  </a:ext>
+                </a:extLst>
+              </a:tr>
+              <a:tr h="406732">
+                <a:tc>
+                  <a:txBody>
+                    <a:bodyPr/>
+                    <a:lstStyle/>
+                    <a:p>
+                      <a:r>
+                        <a:rPr lang="en-US" dirty="0"/>
+                        <a:t>UID</a:t>
+                      </a:r>
+                    </a:p>
+                  </a:txBody>
+                  <a:tcPr/>
+                </a:tc>
+                <a:tc>
+                  <a:txBody>
+                    <a:bodyPr/>
+                    <a:lstStyle/>
+                    <a:p>
+                      <a:r>
+                        <a:rPr lang="en-US" dirty="0"/>
+                        <a:t>int(Foreign)</a:t>
+                      </a:r>
+                    </a:p>
+                  </a:txBody>
+                  <a:tcPr/>
+                </a:tc>
+                <a:extLst>
+                  <a:ext uri="{0D108BD9-81ED-4DB2-BD59-A6C34878D82A}">
+                    <a16:rowId xmlns:a16="http://schemas.microsoft.com/office/drawing/2014/main" val="2656475773"/>
+                  </a:ext>
+                </a:extLst>
+              </a:tr>
+              <a:tr h="406732">
+                <a:tc>
+                  <a:txBody>
+                    <a:bodyPr/>
+                    <a:lstStyle/>
+                    <a:p>
+                      <a:r>
+                        <a:rPr lang="en-US" dirty="0" err="1"/>
+                        <a:t>login_date</a:t>
+                      </a:r>
+                      <a:endParaRPr lang="en-US" dirty="0"/>
+                    </a:p>
+                  </a:txBody>
+                  <a:tcPr/>
+                </a:tc>
+                <a:tc>
+                  <a:txBody>
+                    <a:bodyPr/>
+                    <a:lstStyle/>
+                    <a:p>
+                      <a:r>
+                        <a:rPr lang="en-US" dirty="0"/>
+                        <a:t>date</a:t>
+                      </a:r>
+                    </a:p>
+                  </a:txBody>
+                  <a:tcPr/>
+                </a:tc>
+                <a:extLst>
+                  <a:ext uri="{0D108BD9-81ED-4DB2-BD59-A6C34878D82A}">
+                    <a16:rowId xmlns:a16="http://schemas.microsoft.com/office/drawing/2014/main" val="23965304"/>
+                  </a:ext>
+                </a:extLst>
+              </a:tr>
+              <a:tr h="406732">
+                <a:tc>
+                  <a:txBody>
+                    <a:bodyPr/>
+                    <a:lstStyle/>
+                    <a:p>
+                      <a:r>
+                        <a:rPr lang="en-US" dirty="0" err="1"/>
+                        <a:t>is_successful</a:t>
+                      </a:r>
+                      <a:endParaRPr lang="en-US" dirty="0"/>
+                    </a:p>
+                  </a:txBody>
+                  <a:tcPr/>
+                </a:tc>
+                <a:tc>
+                  <a:txBody>
+                    <a:bodyPr/>
+                    <a:lstStyle/>
+                    <a:p>
+                      <a:r>
+                        <a:rPr lang="en-US" dirty="0"/>
+                        <a:t>int (1)</a:t>
+                      </a:r>
+                    </a:p>
+                  </a:txBody>
+                  <a:tcPr/>
+                </a:tc>
+                <a:extLst>
+                  <a:ext uri="{0D108BD9-81ED-4DB2-BD59-A6C34878D82A}">
+                    <a16:rowId xmlns:a16="http://schemas.microsoft.com/office/drawing/2014/main" val="3329095989"/>
                   </a:ext>
                 </a:extLst>
               </a:tr>
@@ -5212,10 +5008,104 @@
       </p:graphicFrame>
       <p:sp>
         <p:nvSpPr>
-          <p:cNvPr id="2" name="TextBox 1">
-            <a:extLst>
-              <a:ext uri="{FF2B5EF4-FFF2-40B4-BE49-F238E27FC236}">
-                <a16:creationId xmlns:a16="http://schemas.microsoft.com/office/drawing/2014/main" id="{B265CA4F-DA8A-4B9D-A8F6-A9D468BCFA72}"/>
+          <p:cNvPr id="7" name="Rectangle 6">
+            <a:extLst>
+              <a:ext uri="{FF2B5EF4-FFF2-40B4-BE49-F238E27FC236}">
+                <a16:creationId xmlns:a16="http://schemas.microsoft.com/office/drawing/2014/main" id="{855FDA31-4788-4AD9-AB2F-D7B712EF6346}"/>
+              </a:ext>
+            </a:extLst>
+          </p:cNvPr>
+          <p:cNvSpPr/>
+          <p:nvPr/>
+        </p:nvSpPr>
+        <p:spPr>
+          <a:xfrm>
+            <a:off x="1179684" y="2074453"/>
+            <a:ext cx="1862667" cy="508000"/>
+          </a:xfrm>
+          <a:prstGeom prst="rect">
+            <a:avLst/>
+          </a:prstGeom>
+        </p:spPr>
+        <p:style>
+          <a:lnRef idx="2">
+            <a:schemeClr val="accent6"/>
+          </a:lnRef>
+          <a:fillRef idx="1">
+            <a:schemeClr val="lt1"/>
+          </a:fillRef>
+          <a:effectRef idx="0">
+            <a:schemeClr val="accent6"/>
+          </a:effectRef>
+          <a:fontRef idx="minor">
+            <a:schemeClr val="dk1"/>
+          </a:fontRef>
+        </p:style>
+        <p:txBody>
+          <a:bodyPr rtlCol="0" anchor="ctr"/>
+          <a:lstStyle/>
+          <a:p>
+            <a:pPr algn="ctr"/>
+            <a:r>
+              <a:rPr lang="en-US" dirty="0"/>
+              <a:t>username</a:t>
+            </a:r>
+          </a:p>
+        </p:txBody>
+      </p:sp>
+      <p:sp>
+        <p:nvSpPr>
+          <p:cNvPr id="8" name="Rectangle 7">
+            <a:extLst>
+              <a:ext uri="{FF2B5EF4-FFF2-40B4-BE49-F238E27FC236}">
+                <a16:creationId xmlns:a16="http://schemas.microsoft.com/office/drawing/2014/main" id="{BF533B71-B9A6-4B64-AEF7-8AE290703C3F}"/>
+              </a:ext>
+            </a:extLst>
+          </p:cNvPr>
+          <p:cNvSpPr/>
+          <p:nvPr/>
+        </p:nvSpPr>
+        <p:spPr>
+          <a:xfrm>
+            <a:off x="1179683" y="2921000"/>
+            <a:ext cx="1862667" cy="508000"/>
+          </a:xfrm>
+          <a:prstGeom prst="rect">
+            <a:avLst/>
+          </a:prstGeom>
+        </p:spPr>
+        <p:style>
+          <a:lnRef idx="2">
+            <a:schemeClr val="accent6"/>
+          </a:lnRef>
+          <a:fillRef idx="1">
+            <a:schemeClr val="lt1"/>
+          </a:fillRef>
+          <a:effectRef idx="0">
+            <a:schemeClr val="accent6"/>
+          </a:effectRef>
+          <a:fontRef idx="minor">
+            <a:schemeClr val="dk1"/>
+          </a:fontRef>
+        </p:style>
+        <p:txBody>
+          <a:bodyPr rtlCol="0" anchor="ctr"/>
+          <a:lstStyle/>
+          <a:p>
+            <a:pPr algn="ctr"/>
+            <a:r>
+              <a:rPr lang="en-US" dirty="0"/>
+              <a:t>password</a:t>
+            </a:r>
+          </a:p>
+        </p:txBody>
+      </p:sp>
+      <p:sp>
+        <p:nvSpPr>
+          <p:cNvPr id="9" name="TextBox 8">
+            <a:extLst>
+              <a:ext uri="{FF2B5EF4-FFF2-40B4-BE49-F238E27FC236}">
+                <a16:creationId xmlns:a16="http://schemas.microsoft.com/office/drawing/2014/main" id="{7BC38AC9-3687-4C0E-91A2-ACD1F9347FFE}"/>
               </a:ext>
             </a:extLst>
           </p:cNvPr>
@@ -5224,8 +5114,8 @@
         </p:nvSpPr>
         <p:spPr>
           <a:xfrm>
-            <a:off x="4436533" y="4351984"/>
-            <a:ext cx="7179734" cy="1446550"/>
+            <a:off x="304801" y="4275548"/>
+            <a:ext cx="5508978" cy="1277273"/>
           </a:xfrm>
           <a:prstGeom prst="rect">
             <a:avLst/>
@@ -5240,13 +5130,51 @@
           <a:p>
             <a:r>
               <a:rPr lang="en-US" sz="1100" dirty="0"/>
-              <a:t>General notes: </a:t>
+              <a:t>General notes:</a:t>
             </a:r>
           </a:p>
           <a:p>
             <a:r>
               <a:rPr lang="en-US" sz="1100" dirty="0"/>
-              <a:t>-Employee will not enter UID – the UID is an autoincrementing number used as the Primary key of this table</a:t>
+              <a:t>-password is stored in database as a hash using </a:t>
+            </a:r>
+            <a:r>
+              <a:rPr lang="en-US" sz="1100" dirty="0" err="1"/>
+              <a:t>password_hash</a:t>
+            </a:r>
+            <a:r>
+              <a:rPr lang="en-US" sz="1100" dirty="0"/>
+              <a:t> (PASSWORD_BCRYPT)</a:t>
+            </a:r>
+          </a:p>
+          <a:p>
+            <a:r>
+              <a:rPr lang="en-US" sz="1100" dirty="0"/>
+              <a:t>-password is verified using </a:t>
+            </a:r>
+            <a:r>
+              <a:rPr lang="en-US" sz="1100" dirty="0" err="1"/>
+              <a:t>password_verify</a:t>
+            </a:r>
+            <a:r>
+              <a:rPr lang="en-US" sz="1100" dirty="0"/>
+              <a:t>(</a:t>
+            </a:r>
+            <a:r>
+              <a:rPr lang="en-US" sz="1100" dirty="0" err="1"/>
+              <a:t>userinput</a:t>
+            </a:r>
+            <a:r>
+              <a:rPr lang="en-US" sz="1100" dirty="0"/>
+              <a:t>, </a:t>
+            </a:r>
+            <a:r>
+              <a:rPr lang="en-US" sz="1100" dirty="0" err="1"/>
+              <a:t>hashed_password</a:t>
+            </a:r>
+            <a:r>
+              <a:rPr lang="en-US" sz="1100" dirty="0"/>
+              <a:t>)</a:t>
             </a:r>
           </a:p>
           <a:p>
@@ -5255,16 +5183,35 @@
           <a:p>
             <a:r>
               <a:rPr lang="en-US" sz="1100" dirty="0"/>
-              <a:t>-The “date” datatype for the dob requires a specific format - how can we make the form force them into putting the date into a specific format? Hint: do this with basic html</a:t>
-            </a:r>
-          </a:p>
-          <a:p>
-            <a:endParaRPr lang="en-US" sz="1100" dirty="0"/>
-          </a:p>
-          <a:p>
+              <a:t>-upon successful login, a log is generated in the </a:t>
+            </a:r>
+            <a:r>
+              <a:rPr lang="en-US" sz="1100" dirty="0" err="1"/>
+              <a:t>login_log</a:t>
+            </a:r>
             <a:r>
               <a:rPr lang="en-US" sz="1100" dirty="0"/>
-              <a:t>-Employee will NOT enter the permission level – all users entered will be automatically granted access level 0 which is patient level access</a:t>
+              <a:t> table</a:t>
+            </a:r>
+          </a:p>
+          <a:p>
+            <a:r>
+              <a:rPr lang="en-US" sz="1100" dirty="0"/>
+              <a:t>-upon failed login with a known username, a log is generated in the </a:t>
+            </a:r>
+            <a:r>
+              <a:rPr lang="en-US" sz="1100" dirty="0" err="1"/>
+              <a:t>login_log</a:t>
+            </a:r>
+            <a:r>
+              <a:rPr lang="en-US" sz="1100" dirty="0"/>
+              <a:t> table</a:t>
+            </a:r>
+          </a:p>
+          <a:p>
+            <a:r>
+              <a:rPr lang="en-US" sz="1100" dirty="0"/>
+              <a:t>-upon failed login with unknown username, no log is created</a:t>
             </a:r>
           </a:p>
         </p:txBody>
@@ -5272,7 +5219,7 @@
     </p:spTree>
     <p:extLst>
       <p:ext uri="{BB962C8B-B14F-4D97-AF65-F5344CB8AC3E}">
-        <p14:creationId xmlns:p14="http://schemas.microsoft.com/office/powerpoint/2010/main" val="207203833"/>
+        <p14:creationId xmlns:p14="http://schemas.microsoft.com/office/powerpoint/2010/main" val="2361668952"/>
       </p:ext>
     </p:extLst>
   </p:cSld>
@@ -5301,6 +5248,882 @@
       </p:grpSpPr>
       <p:sp>
         <p:nvSpPr>
+          <p:cNvPr id="4" name="TextBox 3">
+            <a:extLst>
+              <a:ext uri="{FF2B5EF4-FFF2-40B4-BE49-F238E27FC236}">
+                <a16:creationId xmlns:a16="http://schemas.microsoft.com/office/drawing/2014/main" id="{75D9B210-5839-405B-B5A2-0E35D45E389D}"/>
+              </a:ext>
+            </a:extLst>
+          </p:cNvPr>
+          <p:cNvSpPr txBox="1"/>
+          <p:nvPr/>
+        </p:nvSpPr>
+        <p:spPr>
+          <a:xfrm>
+            <a:off x="304800" y="191911"/>
+            <a:ext cx="8940800" cy="1200329"/>
+          </a:xfrm>
+          <a:prstGeom prst="rect">
+            <a:avLst/>
+          </a:prstGeom>
+          <a:noFill/>
+        </p:spPr>
+        <p:txBody>
+          <a:bodyPr wrap="square" rtlCol="0">
+            <a:spAutoFit/>
+          </a:bodyPr>
+          <a:lstStyle/>
+          <a:p>
+            <a:r>
+              <a:rPr lang="en-US" b="1" u="sng" dirty="0"/>
+              <a:t>Form2: EVAN</a:t>
+            </a:r>
+          </a:p>
+          <a:p>
+            <a:r>
+              <a:rPr lang="en-US" b="1" u="sng" dirty="0"/>
+              <a:t>User access level: </a:t>
+            </a:r>
+            <a:r>
+              <a:rPr lang="en-US" dirty="0"/>
+              <a:t>Employee</a:t>
+            </a:r>
+          </a:p>
+          <a:p>
+            <a:r>
+              <a:rPr lang="en-US" b="1" u="sng" dirty="0"/>
+              <a:t>Use case: </a:t>
+            </a:r>
+            <a:r>
+              <a:rPr lang="en-US" dirty="0"/>
+              <a:t>Employee enters a new user_profile</a:t>
+            </a:r>
+          </a:p>
+          <a:p>
+            <a:r>
+              <a:rPr lang="en-US" b="1" u="sng" dirty="0"/>
+              <a:t>Database Table(s) Required: </a:t>
+            </a:r>
+            <a:r>
+              <a:rPr lang="en-US" dirty="0"/>
+              <a:t>user_profile</a:t>
+            </a:r>
+          </a:p>
+        </p:txBody>
+      </p:sp>
+      <p:sp>
+        <p:nvSpPr>
+          <p:cNvPr id="5" name="TextBox 4">
+            <a:extLst>
+              <a:ext uri="{FF2B5EF4-FFF2-40B4-BE49-F238E27FC236}">
+                <a16:creationId xmlns:a16="http://schemas.microsoft.com/office/drawing/2014/main" id="{C66D1848-E877-4620-9AA8-795017F6EB98}"/>
+              </a:ext>
+            </a:extLst>
+          </p:cNvPr>
+          <p:cNvSpPr txBox="1"/>
+          <p:nvPr/>
+        </p:nvSpPr>
+        <p:spPr>
+          <a:xfrm>
+            <a:off x="711199" y="1896533"/>
+            <a:ext cx="1862667" cy="4524315"/>
+          </a:xfrm>
+          <a:prstGeom prst="rect">
+            <a:avLst/>
+          </a:prstGeom>
+          <a:noFill/>
+        </p:spPr>
+        <p:txBody>
+          <a:bodyPr wrap="square" rtlCol="0">
+            <a:spAutoFit/>
+          </a:bodyPr>
+          <a:lstStyle/>
+          <a:p>
+            <a:r>
+              <a:rPr lang="en-US" dirty="0" err="1"/>
+              <a:t>fname</a:t>
+            </a:r>
+            <a:r>
+              <a:rPr lang="en-US" dirty="0"/>
+              <a:t>: </a:t>
+            </a:r>
+          </a:p>
+          <a:p>
+            <a:endParaRPr lang="en-US" dirty="0"/>
+          </a:p>
+          <a:p>
+            <a:endParaRPr lang="en-US" dirty="0"/>
+          </a:p>
+          <a:p>
+            <a:r>
+              <a:rPr lang="en-US" dirty="0" err="1"/>
+              <a:t>lname</a:t>
+            </a:r>
+            <a:r>
+              <a:rPr lang="en-US" dirty="0"/>
+              <a:t>: </a:t>
+            </a:r>
+          </a:p>
+          <a:p>
+            <a:endParaRPr lang="en-US" dirty="0"/>
+          </a:p>
+          <a:p>
+            <a:endParaRPr lang="en-US" dirty="0"/>
+          </a:p>
+          <a:p>
+            <a:r>
+              <a:rPr lang="en-US" dirty="0"/>
+              <a:t>dob:</a:t>
+            </a:r>
+          </a:p>
+          <a:p>
+            <a:endParaRPr lang="en-US" dirty="0"/>
+          </a:p>
+          <a:p>
+            <a:endParaRPr lang="en-US" dirty="0"/>
+          </a:p>
+          <a:p>
+            <a:r>
+              <a:rPr lang="en-US" dirty="0" err="1"/>
+              <a:t>ssn</a:t>
+            </a:r>
+            <a:r>
+              <a:rPr lang="en-US" dirty="0"/>
+              <a:t>:</a:t>
+            </a:r>
+          </a:p>
+          <a:p>
+            <a:endParaRPr lang="en-US" dirty="0"/>
+          </a:p>
+          <a:p>
+            <a:endParaRPr lang="en-US" dirty="0"/>
+          </a:p>
+          <a:p>
+            <a:r>
+              <a:rPr lang="en-US" dirty="0"/>
+              <a:t>username:</a:t>
+            </a:r>
+          </a:p>
+          <a:p>
+            <a:endParaRPr lang="en-US" dirty="0"/>
+          </a:p>
+          <a:p>
+            <a:endParaRPr lang="en-US" dirty="0"/>
+          </a:p>
+          <a:p>
+            <a:r>
+              <a:rPr lang="en-US" dirty="0"/>
+              <a:t>password: </a:t>
+            </a:r>
+          </a:p>
+        </p:txBody>
+      </p:sp>
+      <p:sp>
+        <p:nvSpPr>
+          <p:cNvPr id="8" name="Rectangle 7">
+            <a:extLst>
+              <a:ext uri="{FF2B5EF4-FFF2-40B4-BE49-F238E27FC236}">
+                <a16:creationId xmlns:a16="http://schemas.microsoft.com/office/drawing/2014/main" id="{B8C22BDE-9181-4FE7-AEA9-F4E2881E16AA}"/>
+              </a:ext>
+            </a:extLst>
+          </p:cNvPr>
+          <p:cNvSpPr/>
+          <p:nvPr/>
+        </p:nvSpPr>
+        <p:spPr>
+          <a:xfrm>
+            <a:off x="1992484" y="1814808"/>
+            <a:ext cx="1862667" cy="508000"/>
+          </a:xfrm>
+          <a:prstGeom prst="rect">
+            <a:avLst/>
+          </a:prstGeom>
+        </p:spPr>
+        <p:style>
+          <a:lnRef idx="2">
+            <a:schemeClr val="accent6"/>
+          </a:lnRef>
+          <a:fillRef idx="1">
+            <a:schemeClr val="lt1"/>
+          </a:fillRef>
+          <a:effectRef idx="0">
+            <a:schemeClr val="accent6"/>
+          </a:effectRef>
+          <a:fontRef idx="minor">
+            <a:schemeClr val="dk1"/>
+          </a:fontRef>
+        </p:style>
+        <p:txBody>
+          <a:bodyPr rtlCol="0" anchor="ctr"/>
+          <a:lstStyle/>
+          <a:p>
+            <a:pPr algn="ctr"/>
+            <a:endParaRPr lang="en-US"/>
+          </a:p>
+        </p:txBody>
+      </p:sp>
+      <p:sp>
+        <p:nvSpPr>
+          <p:cNvPr id="11" name="Rectangle 10">
+            <a:extLst>
+              <a:ext uri="{FF2B5EF4-FFF2-40B4-BE49-F238E27FC236}">
+                <a16:creationId xmlns:a16="http://schemas.microsoft.com/office/drawing/2014/main" id="{D8AD0408-21BD-4985-8441-49FE2BF9B317}"/>
+              </a:ext>
+            </a:extLst>
+          </p:cNvPr>
+          <p:cNvSpPr/>
+          <p:nvPr/>
+        </p:nvSpPr>
+        <p:spPr>
+          <a:xfrm>
+            <a:off x="1992485" y="2633252"/>
+            <a:ext cx="1862667" cy="508000"/>
+          </a:xfrm>
+          <a:prstGeom prst="rect">
+            <a:avLst/>
+          </a:prstGeom>
+        </p:spPr>
+        <p:style>
+          <a:lnRef idx="2">
+            <a:schemeClr val="accent6"/>
+          </a:lnRef>
+          <a:fillRef idx="1">
+            <a:schemeClr val="lt1"/>
+          </a:fillRef>
+          <a:effectRef idx="0">
+            <a:schemeClr val="accent6"/>
+          </a:effectRef>
+          <a:fontRef idx="minor">
+            <a:schemeClr val="dk1"/>
+          </a:fontRef>
+        </p:style>
+        <p:txBody>
+          <a:bodyPr rtlCol="0" anchor="ctr"/>
+          <a:lstStyle/>
+          <a:p>
+            <a:pPr algn="ctr"/>
+            <a:endParaRPr lang="en-US"/>
+          </a:p>
+        </p:txBody>
+      </p:sp>
+      <p:sp>
+        <p:nvSpPr>
+          <p:cNvPr id="12" name="Rectangle 11">
+            <a:extLst>
+              <a:ext uri="{FF2B5EF4-FFF2-40B4-BE49-F238E27FC236}">
+                <a16:creationId xmlns:a16="http://schemas.microsoft.com/office/drawing/2014/main" id="{13319D93-9DEA-4233-8911-52861BC10872}"/>
+              </a:ext>
+            </a:extLst>
+          </p:cNvPr>
+          <p:cNvSpPr/>
+          <p:nvPr/>
+        </p:nvSpPr>
+        <p:spPr>
+          <a:xfrm>
+            <a:off x="1992486" y="3544829"/>
+            <a:ext cx="1862667" cy="508000"/>
+          </a:xfrm>
+          <a:prstGeom prst="rect">
+            <a:avLst/>
+          </a:prstGeom>
+        </p:spPr>
+        <p:style>
+          <a:lnRef idx="2">
+            <a:schemeClr val="accent6"/>
+          </a:lnRef>
+          <a:fillRef idx="1">
+            <a:schemeClr val="lt1"/>
+          </a:fillRef>
+          <a:effectRef idx="0">
+            <a:schemeClr val="accent6"/>
+          </a:effectRef>
+          <a:fontRef idx="minor">
+            <a:schemeClr val="dk1"/>
+          </a:fontRef>
+        </p:style>
+        <p:txBody>
+          <a:bodyPr rtlCol="0" anchor="ctr"/>
+          <a:lstStyle/>
+          <a:p>
+            <a:pPr algn="ctr"/>
+            <a:endParaRPr lang="en-US"/>
+          </a:p>
+        </p:txBody>
+      </p:sp>
+      <p:sp>
+        <p:nvSpPr>
+          <p:cNvPr id="13" name="Rectangle 12">
+            <a:extLst>
+              <a:ext uri="{FF2B5EF4-FFF2-40B4-BE49-F238E27FC236}">
+                <a16:creationId xmlns:a16="http://schemas.microsoft.com/office/drawing/2014/main" id="{303CDBC5-DEF7-423D-8089-D7E8FC7FDCEE}"/>
+              </a:ext>
+            </a:extLst>
+          </p:cNvPr>
+          <p:cNvSpPr/>
+          <p:nvPr/>
+        </p:nvSpPr>
+        <p:spPr>
+          <a:xfrm>
+            <a:off x="1992487" y="4351984"/>
+            <a:ext cx="1862667" cy="508000"/>
+          </a:xfrm>
+          <a:prstGeom prst="rect">
+            <a:avLst/>
+          </a:prstGeom>
+        </p:spPr>
+        <p:style>
+          <a:lnRef idx="2">
+            <a:schemeClr val="accent6"/>
+          </a:lnRef>
+          <a:fillRef idx="1">
+            <a:schemeClr val="lt1"/>
+          </a:fillRef>
+          <a:effectRef idx="0">
+            <a:schemeClr val="accent6"/>
+          </a:effectRef>
+          <a:fontRef idx="minor">
+            <a:schemeClr val="dk1"/>
+          </a:fontRef>
+        </p:style>
+        <p:txBody>
+          <a:bodyPr rtlCol="0" anchor="ctr"/>
+          <a:lstStyle/>
+          <a:p>
+            <a:pPr algn="ctr"/>
+            <a:endParaRPr lang="en-US"/>
+          </a:p>
+        </p:txBody>
+      </p:sp>
+      <p:sp>
+        <p:nvSpPr>
+          <p:cNvPr id="14" name="Rectangle 13">
+            <a:extLst>
+              <a:ext uri="{FF2B5EF4-FFF2-40B4-BE49-F238E27FC236}">
+                <a16:creationId xmlns:a16="http://schemas.microsoft.com/office/drawing/2014/main" id="{AB121D37-662B-4EBC-9FEF-BF37D152878F}"/>
+              </a:ext>
+            </a:extLst>
+          </p:cNvPr>
+          <p:cNvSpPr/>
+          <p:nvPr/>
+        </p:nvSpPr>
+        <p:spPr>
+          <a:xfrm>
+            <a:off x="1992488" y="5191367"/>
+            <a:ext cx="1862667" cy="508000"/>
+          </a:xfrm>
+          <a:prstGeom prst="rect">
+            <a:avLst/>
+          </a:prstGeom>
+        </p:spPr>
+        <p:style>
+          <a:lnRef idx="2">
+            <a:schemeClr val="accent6"/>
+          </a:lnRef>
+          <a:fillRef idx="1">
+            <a:schemeClr val="lt1"/>
+          </a:fillRef>
+          <a:effectRef idx="0">
+            <a:schemeClr val="accent6"/>
+          </a:effectRef>
+          <a:fontRef idx="minor">
+            <a:schemeClr val="dk1"/>
+          </a:fontRef>
+        </p:style>
+        <p:txBody>
+          <a:bodyPr rtlCol="0" anchor="ctr"/>
+          <a:lstStyle/>
+          <a:p>
+            <a:pPr algn="ctr"/>
+            <a:endParaRPr lang="en-US"/>
+          </a:p>
+        </p:txBody>
+      </p:sp>
+      <p:sp>
+        <p:nvSpPr>
+          <p:cNvPr id="15" name="Rectangle 14">
+            <a:extLst>
+              <a:ext uri="{FF2B5EF4-FFF2-40B4-BE49-F238E27FC236}">
+                <a16:creationId xmlns:a16="http://schemas.microsoft.com/office/drawing/2014/main" id="{55B2FCB5-36CA-4DC2-9A6C-7C95D15C666C}"/>
+              </a:ext>
+            </a:extLst>
+          </p:cNvPr>
+          <p:cNvSpPr/>
+          <p:nvPr/>
+        </p:nvSpPr>
+        <p:spPr>
+          <a:xfrm>
+            <a:off x="1992488" y="5898943"/>
+            <a:ext cx="1862667" cy="508000"/>
+          </a:xfrm>
+          <a:prstGeom prst="rect">
+            <a:avLst/>
+          </a:prstGeom>
+        </p:spPr>
+        <p:style>
+          <a:lnRef idx="2">
+            <a:schemeClr val="accent6"/>
+          </a:lnRef>
+          <a:fillRef idx="1">
+            <a:schemeClr val="lt1"/>
+          </a:fillRef>
+          <a:effectRef idx="0">
+            <a:schemeClr val="accent6"/>
+          </a:effectRef>
+          <a:fontRef idx="minor">
+            <a:schemeClr val="dk1"/>
+          </a:fontRef>
+        </p:style>
+        <p:txBody>
+          <a:bodyPr rtlCol="0" anchor="ctr"/>
+          <a:lstStyle/>
+          <a:p>
+            <a:pPr algn="ctr"/>
+            <a:endParaRPr lang="en-US"/>
+          </a:p>
+        </p:txBody>
+      </p:sp>
+      <p:graphicFrame>
+        <p:nvGraphicFramePr>
+          <p:cNvPr id="16" name="Table 7">
+            <a:extLst>
+              <a:ext uri="{FF2B5EF4-FFF2-40B4-BE49-F238E27FC236}">
+                <a16:creationId xmlns:a16="http://schemas.microsoft.com/office/drawing/2014/main" id="{CB49DD34-CF60-402B-96CC-0BF7A864B595}"/>
+              </a:ext>
+            </a:extLst>
+          </p:cNvPr>
+          <p:cNvGraphicFramePr>
+            <a:graphicFrameLocks noGrp="1"/>
+          </p:cNvGraphicFramePr>
+          <p:nvPr>
+            <p:extLst>
+              <p:ext uri="{D42A27DB-BD31-4B8C-83A1-F6EECF244321}">
+                <p14:modId xmlns:p14="http://schemas.microsoft.com/office/powerpoint/2010/main" val="933140852"/>
+              </p:ext>
+            </p:extLst>
+          </p:nvPr>
+        </p:nvGraphicFramePr>
+        <p:xfrm>
+          <a:off x="5465557" y="395229"/>
+          <a:ext cx="4420686" cy="3291840"/>
+        </p:xfrm>
+        <a:graphic>
+          <a:graphicData uri="http://schemas.openxmlformats.org/drawingml/2006/table">
+            <a:tbl>
+              <a:tblPr firstRow="1" bandRow="1">
+                <a:tableStyleId>{5C22544A-7EE6-4342-B048-85BDC9FD1C3A}</a:tableStyleId>
+              </a:tblPr>
+              <a:tblGrid>
+                <a:gridCol w="2210343">
+                  <a:extLst>
+                    <a:ext uri="{9D8B030D-6E8A-4147-A177-3AD203B41FA5}">
+                      <a16:colId xmlns:a16="http://schemas.microsoft.com/office/drawing/2014/main" val="137740285"/>
+                    </a:ext>
+                  </a:extLst>
+                </a:gridCol>
+                <a:gridCol w="2210343">
+                  <a:extLst>
+                    <a:ext uri="{9D8B030D-6E8A-4147-A177-3AD203B41FA5}">
+                      <a16:colId xmlns:a16="http://schemas.microsoft.com/office/drawing/2014/main" val="118291522"/>
+                    </a:ext>
+                  </a:extLst>
+                </a:gridCol>
+              </a:tblGrid>
+              <a:tr h="327760">
+                <a:tc>
+                  <a:txBody>
+                    <a:bodyPr/>
+                    <a:lstStyle/>
+                    <a:p>
+                      <a:r>
+                        <a:rPr lang="en-US" dirty="0" err="1"/>
+                        <a:t>user_profile</a:t>
+                      </a:r>
+                      <a:endParaRPr lang="en-US" dirty="0"/>
+                    </a:p>
+                  </a:txBody>
+                  <a:tcPr/>
+                </a:tc>
+                <a:tc>
+                  <a:txBody>
+                    <a:bodyPr/>
+                    <a:lstStyle/>
+                    <a:p>
+                      <a:r>
+                        <a:rPr lang="en-US" dirty="0"/>
+                        <a:t>Datatype</a:t>
+                      </a:r>
+                    </a:p>
+                  </a:txBody>
+                  <a:tcPr/>
+                </a:tc>
+                <a:extLst>
+                  <a:ext uri="{0D108BD9-81ED-4DB2-BD59-A6C34878D82A}">
+                    <a16:rowId xmlns:a16="http://schemas.microsoft.com/office/drawing/2014/main" val="2996650353"/>
+                  </a:ext>
+                </a:extLst>
+              </a:tr>
+              <a:tr h="327760">
+                <a:tc>
+                  <a:txBody>
+                    <a:bodyPr/>
+                    <a:lstStyle/>
+                    <a:p>
+                      <a:r>
+                        <a:rPr lang="en-US" dirty="0"/>
+                        <a:t>UID</a:t>
+                      </a:r>
+                    </a:p>
+                  </a:txBody>
+                  <a:tcPr/>
+                </a:tc>
+                <a:tc>
+                  <a:txBody>
+                    <a:bodyPr/>
+                    <a:lstStyle/>
+                    <a:p>
+                      <a:r>
+                        <a:rPr lang="en-US" dirty="0"/>
+                        <a:t>int(Primary)</a:t>
+                      </a:r>
+                    </a:p>
+                  </a:txBody>
+                  <a:tcPr/>
+                </a:tc>
+                <a:extLst>
+                  <a:ext uri="{0D108BD9-81ED-4DB2-BD59-A6C34878D82A}">
+                    <a16:rowId xmlns:a16="http://schemas.microsoft.com/office/drawing/2014/main" val="2156130721"/>
+                  </a:ext>
+                </a:extLst>
+              </a:tr>
+              <a:tr h="327760">
+                <a:tc>
+                  <a:txBody>
+                    <a:bodyPr/>
+                    <a:lstStyle/>
+                    <a:p>
+                      <a:r>
+                        <a:rPr lang="en-US" dirty="0"/>
+                        <a:t>username</a:t>
+                      </a:r>
+                    </a:p>
+                  </a:txBody>
+                  <a:tcPr/>
+                </a:tc>
+                <a:tc>
+                  <a:txBody>
+                    <a:bodyPr/>
+                    <a:lstStyle/>
+                    <a:p>
+                      <a:r>
+                        <a:rPr lang="en-US" dirty="0"/>
+                        <a:t>varchar(25)</a:t>
+                      </a:r>
+                    </a:p>
+                  </a:txBody>
+                  <a:tcPr/>
+                </a:tc>
+                <a:extLst>
+                  <a:ext uri="{0D108BD9-81ED-4DB2-BD59-A6C34878D82A}">
+                    <a16:rowId xmlns:a16="http://schemas.microsoft.com/office/drawing/2014/main" val="436724252"/>
+                  </a:ext>
+                </a:extLst>
+              </a:tr>
+              <a:tr h="327760">
+                <a:tc>
+                  <a:txBody>
+                    <a:bodyPr/>
+                    <a:lstStyle/>
+                    <a:p>
+                      <a:r>
+                        <a:rPr lang="en-US" dirty="0"/>
+                        <a:t>password</a:t>
+                      </a:r>
+                    </a:p>
+                  </a:txBody>
+                  <a:tcPr/>
+                </a:tc>
+                <a:tc>
+                  <a:txBody>
+                    <a:bodyPr/>
+                    <a:lstStyle/>
+                    <a:p>
+                      <a:r>
+                        <a:rPr lang="en-US" dirty="0"/>
+                        <a:t>varchar(64)</a:t>
+                      </a:r>
+                    </a:p>
+                  </a:txBody>
+                  <a:tcPr/>
+                </a:tc>
+                <a:extLst>
+                  <a:ext uri="{0D108BD9-81ED-4DB2-BD59-A6C34878D82A}">
+                    <a16:rowId xmlns:a16="http://schemas.microsoft.com/office/drawing/2014/main" val="1125359314"/>
+                  </a:ext>
+                </a:extLst>
+              </a:tr>
+              <a:tr h="327760">
+                <a:tc>
+                  <a:txBody>
+                    <a:bodyPr/>
+                    <a:lstStyle/>
+                    <a:p>
+                      <a:r>
+                        <a:rPr lang="en-US" dirty="0" err="1"/>
+                        <a:t>fname</a:t>
+                      </a:r>
+                      <a:endParaRPr lang="en-US" dirty="0"/>
+                    </a:p>
+                  </a:txBody>
+                  <a:tcPr/>
+                </a:tc>
+                <a:tc>
+                  <a:txBody>
+                    <a:bodyPr/>
+                    <a:lstStyle/>
+                    <a:p>
+                      <a:r>
+                        <a:rPr lang="en-US" dirty="0"/>
+                        <a:t>varchar(25)</a:t>
+                      </a:r>
+                    </a:p>
+                  </a:txBody>
+                  <a:tcPr/>
+                </a:tc>
+                <a:extLst>
+                  <a:ext uri="{0D108BD9-81ED-4DB2-BD59-A6C34878D82A}">
+                    <a16:rowId xmlns:a16="http://schemas.microsoft.com/office/drawing/2014/main" val="3834724830"/>
+                  </a:ext>
+                </a:extLst>
+              </a:tr>
+              <a:tr h="327760">
+                <a:tc>
+                  <a:txBody>
+                    <a:bodyPr/>
+                    <a:lstStyle/>
+                    <a:p>
+                      <a:r>
+                        <a:rPr lang="en-US" dirty="0" err="1"/>
+                        <a:t>lname</a:t>
+                      </a:r>
+                      <a:endParaRPr lang="en-US" dirty="0"/>
+                    </a:p>
+                  </a:txBody>
+                  <a:tcPr/>
+                </a:tc>
+                <a:tc>
+                  <a:txBody>
+                    <a:bodyPr/>
+                    <a:lstStyle/>
+                    <a:p>
+                      <a:r>
+                        <a:rPr lang="en-US" dirty="0"/>
+                        <a:t>varchar(25)</a:t>
+                      </a:r>
+                    </a:p>
+                  </a:txBody>
+                  <a:tcPr/>
+                </a:tc>
+                <a:extLst>
+                  <a:ext uri="{0D108BD9-81ED-4DB2-BD59-A6C34878D82A}">
+                    <a16:rowId xmlns:a16="http://schemas.microsoft.com/office/drawing/2014/main" val="2688088394"/>
+                  </a:ext>
+                </a:extLst>
+              </a:tr>
+              <a:tr h="327760">
+                <a:tc>
+                  <a:txBody>
+                    <a:bodyPr/>
+                    <a:lstStyle/>
+                    <a:p>
+                      <a:r>
+                        <a:rPr lang="en-US" dirty="0"/>
+                        <a:t>dob</a:t>
+                      </a:r>
+                    </a:p>
+                  </a:txBody>
+                  <a:tcPr/>
+                </a:tc>
+                <a:tc>
+                  <a:txBody>
+                    <a:bodyPr/>
+                    <a:lstStyle/>
+                    <a:p>
+                      <a:r>
+                        <a:rPr lang="en-US" dirty="0"/>
+                        <a:t>date</a:t>
+                      </a:r>
+                    </a:p>
+                  </a:txBody>
+                  <a:tcPr/>
+                </a:tc>
+                <a:extLst>
+                  <a:ext uri="{0D108BD9-81ED-4DB2-BD59-A6C34878D82A}">
+                    <a16:rowId xmlns:a16="http://schemas.microsoft.com/office/drawing/2014/main" val="70368637"/>
+                  </a:ext>
+                </a:extLst>
+              </a:tr>
+              <a:tr h="327760">
+                <a:tc>
+                  <a:txBody>
+                    <a:bodyPr/>
+                    <a:lstStyle/>
+                    <a:p>
+                      <a:r>
+                        <a:rPr lang="en-US" dirty="0" err="1"/>
+                        <a:t>ssn</a:t>
+                      </a:r>
+                      <a:endParaRPr lang="en-US" dirty="0"/>
+                    </a:p>
+                  </a:txBody>
+                  <a:tcPr/>
+                </a:tc>
+                <a:tc>
+                  <a:txBody>
+                    <a:bodyPr/>
+                    <a:lstStyle/>
+                    <a:p>
+                      <a:r>
+                        <a:rPr lang="en-US" dirty="0"/>
+                        <a:t>int(9)</a:t>
+                      </a:r>
+                    </a:p>
+                  </a:txBody>
+                  <a:tcPr/>
+                </a:tc>
+                <a:extLst>
+                  <a:ext uri="{0D108BD9-81ED-4DB2-BD59-A6C34878D82A}">
+                    <a16:rowId xmlns:a16="http://schemas.microsoft.com/office/drawing/2014/main" val="2444414798"/>
+                  </a:ext>
+                </a:extLst>
+              </a:tr>
+              <a:tr h="327760">
+                <a:tc>
+                  <a:txBody>
+                    <a:bodyPr/>
+                    <a:lstStyle/>
+                    <a:p>
+                      <a:r>
+                        <a:rPr lang="en-US" dirty="0"/>
+                        <a:t>permission</a:t>
+                      </a:r>
+                    </a:p>
+                  </a:txBody>
+                  <a:tcPr/>
+                </a:tc>
+                <a:tc>
+                  <a:txBody>
+                    <a:bodyPr/>
+                    <a:lstStyle/>
+                    <a:p>
+                      <a:r>
+                        <a:rPr lang="en-US" dirty="0"/>
+                        <a:t>int(1)</a:t>
+                      </a:r>
+                    </a:p>
+                  </a:txBody>
+                  <a:tcPr/>
+                </a:tc>
+                <a:extLst>
+                  <a:ext uri="{0D108BD9-81ED-4DB2-BD59-A6C34878D82A}">
+                    <a16:rowId xmlns:a16="http://schemas.microsoft.com/office/drawing/2014/main" val="4271593645"/>
+                  </a:ext>
+                </a:extLst>
+              </a:tr>
+            </a:tbl>
+          </a:graphicData>
+        </a:graphic>
+      </p:graphicFrame>
+      <p:sp>
+        <p:nvSpPr>
+          <p:cNvPr id="2" name="TextBox 1">
+            <a:extLst>
+              <a:ext uri="{FF2B5EF4-FFF2-40B4-BE49-F238E27FC236}">
+                <a16:creationId xmlns:a16="http://schemas.microsoft.com/office/drawing/2014/main" id="{B265CA4F-DA8A-4B9D-A8F6-A9D468BCFA72}"/>
+              </a:ext>
+            </a:extLst>
+          </p:cNvPr>
+          <p:cNvSpPr txBox="1"/>
+          <p:nvPr/>
+        </p:nvSpPr>
+        <p:spPr>
+          <a:xfrm>
+            <a:off x="4436533" y="4351984"/>
+            <a:ext cx="7179734" cy="1446550"/>
+          </a:xfrm>
+          <a:prstGeom prst="rect">
+            <a:avLst/>
+          </a:prstGeom>
+          <a:noFill/>
+        </p:spPr>
+        <p:txBody>
+          <a:bodyPr wrap="square" rtlCol="0">
+            <a:spAutoFit/>
+          </a:bodyPr>
+          <a:lstStyle/>
+          <a:p>
+            <a:r>
+              <a:rPr lang="en-US" sz="1100" dirty="0"/>
+              <a:t>General notes: </a:t>
+            </a:r>
+          </a:p>
+          <a:p>
+            <a:r>
+              <a:rPr lang="en-US" sz="1100" dirty="0"/>
+              <a:t>-Employee will not enter UID – the UID is an autoincrementing number used as the Primary key of this table</a:t>
+            </a:r>
+          </a:p>
+          <a:p>
+            <a:endParaRPr lang="en-US" sz="1100" dirty="0"/>
+          </a:p>
+          <a:p>
+            <a:r>
+              <a:rPr lang="en-US" sz="1100" dirty="0"/>
+              <a:t>-The “date” datatype for the dob requires a specific format - how can we make the form force them into putting the date into a specific format? Hint: do this with basic html</a:t>
+            </a:r>
+          </a:p>
+          <a:p>
+            <a:endParaRPr lang="en-US" sz="1100" dirty="0"/>
+          </a:p>
+          <a:p>
+            <a:r>
+              <a:rPr lang="en-US" sz="1100" dirty="0"/>
+              <a:t>-Employee will NOT enter the permission level – all users entered will be automatically granted access level 0 which is patient level access</a:t>
+            </a:r>
+          </a:p>
+        </p:txBody>
+      </p:sp>
+    </p:spTree>
+    <p:extLst>
+      <p:ext uri="{BB962C8B-B14F-4D97-AF65-F5344CB8AC3E}">
+        <p14:creationId xmlns:p14="http://schemas.microsoft.com/office/powerpoint/2010/main" val="207203833"/>
+      </p:ext>
+    </p:extLst>
+  </p:cSld>
+  <p:clrMapOvr>
+    <a:masterClrMapping/>
+  </p:clrMapOvr>
+</p:sld>
+</file>
+
+<file path=ppt/slides/slide4.xml><?xml version="1.0" encoding="utf-8"?>
+<p:sld xmlns:a="http://schemas.openxmlformats.org/drawingml/2006/main" xmlns:r="http://schemas.openxmlformats.org/officeDocument/2006/relationships" xmlns:p="http://schemas.openxmlformats.org/presentationml/2006/main">
+  <p:cSld>
+    <p:spTree>
+      <p:nvGrpSpPr>
+        <p:cNvPr id="1" name=""/>
+        <p:cNvGrpSpPr/>
+        <p:nvPr/>
+      </p:nvGrpSpPr>
+      <p:grpSpPr>
+        <a:xfrm>
+          <a:off x="0" y="0"/>
+          <a:ext cx="0" cy="0"/>
+          <a:chOff x="0" y="0"/>
+          <a:chExt cx="0" cy="0"/>
+        </a:xfrm>
+      </p:grpSpPr>
+      <p:sp>
+        <p:nvSpPr>
           <p:cNvPr id="5" name="TextBox 4">
             <a:extLst>
               <a:ext uri="{FF2B5EF4-FFF2-40B4-BE49-F238E27FC236}">
@@ -5329,7 +6152,7 @@
           <a:p>
             <a:r>
               <a:rPr lang="en-US" b="1" u="sng" dirty="0"/>
-              <a:t>Form2: EVAN</a:t>
+              <a:t>Form3: EVAN</a:t>
             </a:r>
           </a:p>
           <a:p>
@@ -5349,7 +6172,15 @@
             </a:r>
             <a:r>
               <a:rPr lang="en-US" dirty="0"/>
-              <a:t>Employee enters a new test for a pre-existing patient</a:t>
+              <a:t>Employee enters a new </a:t>
+            </a:r>
+            <a:r>
+              <a:rPr lang="en-US" dirty="0" err="1"/>
+              <a:t>test_sample</a:t>
+            </a:r>
+            <a:r>
+              <a:rPr lang="en-US" dirty="0"/>
+              <a:t> for a pre-existing patient</a:t>
             </a:r>
           </a:p>
           <a:p>

--- a/docs/Database/tables&forms.pptx
+++ b/docs/Database/tables&forms.pptx
@@ -4393,7 +4393,7 @@
           <a:p>
             <a:r>
               <a:rPr lang="en-US" b="1" u="sng" dirty="0"/>
-              <a:t>Form1: EVAN &amp; THATCHER</a:t>
+              <a:t>Form1: EVAN/DUSTIN/THATCHER</a:t>
             </a:r>
           </a:p>
           <a:p>
